--- a/Giao dien/cay giao dien/Cây_PP.pptx
+++ b/Giao dien/cay giao dien/Cây_PP.pptx
@@ -6,11 +6,13 @@
   </p:sldMasterIdLst>
   <p:sldIdLst>
     <p:sldId id="256" r:id="rId2"/>
-    <p:sldId id="257" r:id="rId3"/>
-    <p:sldId id="258" r:id="rId4"/>
-    <p:sldId id="259" r:id="rId5"/>
-    <p:sldId id="260" r:id="rId6"/>
-    <p:sldId id="261" r:id="rId7"/>
+    <p:sldId id="258" r:id="rId3"/>
+    <p:sldId id="263" r:id="rId4"/>
+    <p:sldId id="262" r:id="rId5"/>
+    <p:sldId id="257" r:id="rId6"/>
+    <p:sldId id="259" r:id="rId7"/>
+    <p:sldId id="260" r:id="rId8"/>
+    <p:sldId id="261" r:id="rId9"/>
   </p:sldIdLst>
   <p:sldSz cx="9144000" cy="6858000" type="screen4x3"/>
   <p:notesSz cx="6858000" cy="9144000"/>
@@ -109,6 +111,22 @@
       </a:defRPr>
     </a:lvl9pPr>
   </p:defaultTextStyle>
+  <p:extLst>
+    <p:ext uri="{EFAFB233-063F-42B5-8137-9DF3F51BA10A}">
+      <p15:sldGuideLst xmlns:p15="http://schemas.microsoft.com/office/powerpoint/2012/main">
+        <p15:guide id="1" orient="horz" pos="2160">
+          <p15:clr>
+            <a:srgbClr val="A4A3A4"/>
+          </p15:clr>
+        </p15:guide>
+        <p15:guide id="2" pos="2880">
+          <p15:clr>
+            <a:srgbClr val="A4A3A4"/>
+          </p15:clr>
+        </p15:guide>
+      </p15:sldGuideLst>
+    </p:ext>
+  </p:extLst>
 </p:presentation>
 </file>
 
@@ -293,7 +311,7 @@
           <a:p>
             <a:fld id="{E21A0B8F-3A45-4870-B5D2-BAC75BDD1717}" type="datetimeFigureOut">
               <a:rPr lang="en-US" smtClean="0"/>
-              <a:t>10/8/2019</a:t>
+              <a:t>09/10/2019</a:t>
             </a:fld>
             <a:endParaRPr lang="en-US"/>
           </a:p>
@@ -463,7 +481,7 @@
           <a:p>
             <a:fld id="{E21A0B8F-3A45-4870-B5D2-BAC75BDD1717}" type="datetimeFigureOut">
               <a:rPr lang="en-US" smtClean="0"/>
-              <a:t>10/8/2019</a:t>
+              <a:t>09/10/2019</a:t>
             </a:fld>
             <a:endParaRPr lang="en-US"/>
           </a:p>
@@ -643,7 +661,7 @@
           <a:p>
             <a:fld id="{E21A0B8F-3A45-4870-B5D2-BAC75BDD1717}" type="datetimeFigureOut">
               <a:rPr lang="en-US" smtClean="0"/>
-              <a:t>10/8/2019</a:t>
+              <a:t>09/10/2019</a:t>
             </a:fld>
             <a:endParaRPr lang="en-US"/>
           </a:p>
@@ -813,7 +831,7 @@
           <a:p>
             <a:fld id="{E21A0B8F-3A45-4870-B5D2-BAC75BDD1717}" type="datetimeFigureOut">
               <a:rPr lang="en-US" smtClean="0"/>
-              <a:t>10/8/2019</a:t>
+              <a:t>09/10/2019</a:t>
             </a:fld>
             <a:endParaRPr lang="en-US"/>
           </a:p>
@@ -1059,7 +1077,7 @@
           <a:p>
             <a:fld id="{E21A0B8F-3A45-4870-B5D2-BAC75BDD1717}" type="datetimeFigureOut">
               <a:rPr lang="en-US" smtClean="0"/>
-              <a:t>10/8/2019</a:t>
+              <a:t>09/10/2019</a:t>
             </a:fld>
             <a:endParaRPr lang="en-US"/>
           </a:p>
@@ -1347,7 +1365,7 @@
           <a:p>
             <a:fld id="{E21A0B8F-3A45-4870-B5D2-BAC75BDD1717}" type="datetimeFigureOut">
               <a:rPr lang="en-US" smtClean="0"/>
-              <a:t>10/8/2019</a:t>
+              <a:t>09/10/2019</a:t>
             </a:fld>
             <a:endParaRPr lang="en-US"/>
           </a:p>
@@ -1769,7 +1787,7 @@
           <a:p>
             <a:fld id="{E21A0B8F-3A45-4870-B5D2-BAC75BDD1717}" type="datetimeFigureOut">
               <a:rPr lang="en-US" smtClean="0"/>
-              <a:t>10/8/2019</a:t>
+              <a:t>09/10/2019</a:t>
             </a:fld>
             <a:endParaRPr lang="en-US"/>
           </a:p>
@@ -1887,7 +1905,7 @@
           <a:p>
             <a:fld id="{E21A0B8F-3A45-4870-B5D2-BAC75BDD1717}" type="datetimeFigureOut">
               <a:rPr lang="en-US" smtClean="0"/>
-              <a:t>10/8/2019</a:t>
+              <a:t>09/10/2019</a:t>
             </a:fld>
             <a:endParaRPr lang="en-US"/>
           </a:p>
@@ -1982,7 +2000,7 @@
           <a:p>
             <a:fld id="{E21A0B8F-3A45-4870-B5D2-BAC75BDD1717}" type="datetimeFigureOut">
               <a:rPr lang="en-US" smtClean="0"/>
-              <a:t>10/8/2019</a:t>
+              <a:t>09/10/2019</a:t>
             </a:fld>
             <a:endParaRPr lang="en-US"/>
           </a:p>
@@ -2259,7 +2277,7 @@
           <a:p>
             <a:fld id="{E21A0B8F-3A45-4870-B5D2-BAC75BDD1717}" type="datetimeFigureOut">
               <a:rPr lang="en-US" smtClean="0"/>
-              <a:t>10/8/2019</a:t>
+              <a:t>09/10/2019</a:t>
             </a:fld>
             <a:endParaRPr lang="en-US"/>
           </a:p>
@@ -2512,7 +2530,7 @@
           <a:p>
             <a:fld id="{E21A0B8F-3A45-4870-B5D2-BAC75BDD1717}" type="datetimeFigureOut">
               <a:rPr lang="en-US" smtClean="0"/>
-              <a:t>10/8/2019</a:t>
+              <a:t>09/10/2019</a:t>
             </a:fld>
             <a:endParaRPr lang="en-US"/>
           </a:p>
@@ -2725,7 +2743,7 @@
           <a:p>
             <a:fld id="{E21A0B8F-3A45-4870-B5D2-BAC75BDD1717}" type="datetimeFigureOut">
               <a:rPr lang="en-US" smtClean="0"/>
-              <a:t>10/8/2019</a:t>
+              <a:t>09/10/2019</a:t>
             </a:fld>
             <a:endParaRPr lang="en-US"/>
           </a:p>
@@ -3102,7 +3120,7 @@
       </p:grpSpPr>
       <p:pic>
         <p:nvPicPr>
-          <p:cNvPr id="5" name="Picture 4"/>
+          <p:cNvPr id="2" name="Picture 1"/>
           <p:cNvPicPr>
             <a:picLocks noChangeAspect="1"/>
           </p:cNvPicPr>
@@ -3122,8 +3140,8 @@
         </p:blipFill>
         <p:spPr>
           <a:xfrm>
-            <a:off x="-27708" y="1828800"/>
-            <a:ext cx="9144000" cy="3364149"/>
+            <a:off x="304800" y="270637"/>
+            <a:ext cx="8424984" cy="5179895"/>
           </a:xfrm>
           <a:prstGeom prst="rect">
             <a:avLst/>
@@ -3132,81 +3150,13 @@
       </p:pic>
       <p:sp>
         <p:nvSpPr>
-          <p:cNvPr id="9" name="Rectangle 8">
-            <a:hlinkClick r:id="rId3" action="ppaction://hlinksldjump"/>
-          </p:cNvPr>
-          <p:cNvSpPr/>
-          <p:nvPr/>
-        </p:nvSpPr>
-        <p:spPr>
-          <a:xfrm>
-            <a:off x="5334000" y="4953000"/>
-            <a:ext cx="2895600" cy="533400"/>
-          </a:xfrm>
-          <a:prstGeom prst="rect">
-            <a:avLst/>
-          </a:prstGeom>
-        </p:spPr>
-        <p:style>
-          <a:lnRef idx="0">
-            <a:schemeClr val="accent5"/>
-          </a:lnRef>
-          <a:fillRef idx="3">
-            <a:schemeClr val="accent5"/>
-          </a:fillRef>
-          <a:effectRef idx="3">
-            <a:schemeClr val="accent5"/>
-          </a:effectRef>
-          <a:fontRef idx="minor">
-            <a:schemeClr val="lt1"/>
-          </a:fontRef>
-        </p:style>
-        <p:txBody>
-          <a:bodyPr rtlCol="0" anchor="ctr"/>
-          <a:lstStyle/>
-          <a:p>
-            <a:pPr algn="ctr"/>
-            <a:r>
-              <a:rPr lang="en-US" dirty="0" err="1" smtClean="0"/>
-              <a:t>Đăng</a:t>
-            </a:r>
-            <a:r>
-              <a:rPr lang="en-US" dirty="0" smtClean="0"/>
-              <a:t> </a:t>
-            </a:r>
-            <a:r>
-              <a:rPr lang="en-US" dirty="0" err="1" smtClean="0"/>
-              <a:t>nhập</a:t>
-            </a:r>
-            <a:r>
-              <a:rPr lang="en-US" dirty="0" smtClean="0"/>
-              <a:t> </a:t>
-            </a:r>
-            <a:r>
-              <a:rPr lang="en-US" dirty="0" err="1" smtClean="0"/>
-              <a:t>thành</a:t>
-            </a:r>
-            <a:r>
-              <a:rPr lang="en-US" dirty="0" smtClean="0"/>
-              <a:t> </a:t>
-            </a:r>
-            <a:r>
-              <a:rPr lang="en-US" dirty="0" err="1" smtClean="0"/>
-              <a:t>công</a:t>
-            </a:r>
-            <a:endParaRPr lang="en-US" dirty="0"/>
-          </a:p>
-        </p:txBody>
-      </p:sp>
-      <p:sp>
-        <p:nvSpPr>
           <p:cNvPr id="10" name="TextBox 9"/>
           <p:cNvSpPr txBox="1"/>
           <p:nvPr/>
         </p:nvSpPr>
         <p:spPr>
           <a:xfrm>
-            <a:off x="533400" y="3327279"/>
+            <a:off x="1219200" y="3433465"/>
             <a:ext cx="340158" cy="461665"/>
           </a:xfrm>
           <a:prstGeom prst="rect">
@@ -3225,7 +3175,7 @@
                 <a:solidFill>
                   <a:srgbClr val="FF0000"/>
                 </a:solidFill>
-                <a:hlinkClick r:id="rId4" action="ppaction://hlinksldjump"/>
+                <a:hlinkClick r:id="rId3" action="ppaction://hlinksldjump"/>
               </a:rPr>
               <a:t>1</a:t>
             </a:r>
@@ -3245,7 +3195,7 @@
         </p:nvSpPr>
         <p:spPr>
           <a:xfrm>
-            <a:off x="4935321" y="4988867"/>
+            <a:off x="3886200" y="3433465"/>
             <a:ext cx="340158" cy="461665"/>
           </a:xfrm>
           <a:prstGeom prst="rect">
@@ -3264,7 +3214,7 @@
                 <a:solidFill>
                   <a:srgbClr val="FF0000"/>
                 </a:solidFill>
-                <a:hlinkClick r:id="rId3" action="ppaction://hlinksldjump"/>
+                <a:hlinkClick r:id="rId4" action="ppaction://hlinksldjump"/>
               </a:rPr>
               <a:t>2</a:t>
             </a:r>
@@ -3273,6 +3223,40 @@
                 <a:srgbClr val="FF0000"/>
               </a:solidFill>
             </a:endParaRPr>
+          </a:p>
+        </p:txBody>
+      </p:sp>
+      <p:sp>
+        <p:nvSpPr>
+          <p:cNvPr id="3" name="Rectangle 2"/>
+          <p:cNvSpPr/>
+          <p:nvPr/>
+        </p:nvSpPr>
+        <p:spPr>
+          <a:xfrm>
+            <a:off x="6934200" y="3447113"/>
+            <a:ext cx="303243" cy="461665"/>
+          </a:xfrm>
+          <a:prstGeom prst="rect">
+            <a:avLst/>
+          </a:prstGeom>
+        </p:spPr>
+        <p:txBody>
+          <a:bodyPr wrap="square">
+            <a:spAutoFit/>
+          </a:bodyPr>
+          <a:lstStyle/>
+          <a:p>
+            <a:r>
+              <a:rPr lang="en-US" sz="2400" b="1" smtClean="0">
+                <a:solidFill>
+                  <a:srgbClr val="FF0000"/>
+                </a:solidFill>
+                <a:hlinkClick r:id="rId5" action="ppaction://hlinksldjump"/>
+              </a:rPr>
+              <a:t>3</a:t>
+            </a:r>
+            <a:endParaRPr lang="en-US" sz="2400"/>
           </a:p>
         </p:txBody>
       </p:sp>
@@ -3315,237 +3299,7 @@
       </p:grpSpPr>
       <p:pic>
         <p:nvPicPr>
-          <p:cNvPr id="4" name="Content Placeholder 3"/>
-          <p:cNvPicPr>
-            <a:picLocks noGrp="1" noChangeAspect="1"/>
-          </p:cNvPicPr>
-          <p:nvPr>
-            <p:ph idx="1"/>
-          </p:nvPr>
-        </p:nvPicPr>
-        <p:blipFill>
-          <a:blip r:embed="rId2">
-            <a:extLst>
-              <a:ext uri="{28A0092B-C50C-407E-A947-70E740481C1C}">
-                <a14:useLocalDpi xmlns:a14="http://schemas.microsoft.com/office/drawing/2010/main" val="0"/>
-              </a:ext>
-            </a:extLst>
-          </a:blip>
-          <a:stretch>
-            <a:fillRect/>
-          </a:stretch>
-        </p:blipFill>
-        <p:spPr>
-          <a:xfrm>
-            <a:off x="990600" y="1364556"/>
-            <a:ext cx="7028571" cy="3980952"/>
-          </a:xfrm>
-        </p:spPr>
-      </p:pic>
-      <p:sp>
-        <p:nvSpPr>
-          <p:cNvPr id="6" name="TextBox 5">
-            <a:hlinkClick r:id="rId3" action="ppaction://hlinksldjump"/>
-          </p:cNvPr>
-          <p:cNvSpPr txBox="1"/>
-          <p:nvPr/>
-        </p:nvSpPr>
-        <p:spPr>
-          <a:xfrm>
-            <a:off x="3505200" y="2514599"/>
-            <a:ext cx="340158" cy="461665"/>
-          </a:xfrm>
-          <a:prstGeom prst="rect">
-            <a:avLst/>
-          </a:prstGeom>
-          <a:noFill/>
-        </p:spPr>
-        <p:txBody>
-          <a:bodyPr wrap="none" rtlCol="0">
-            <a:spAutoFit/>
-          </a:bodyPr>
-          <a:lstStyle/>
-          <a:p>
-            <a:r>
-              <a:rPr lang="en-US" sz="2400" b="1" dirty="0">
-                <a:solidFill>
-                  <a:srgbClr val="FF0000"/>
-                </a:solidFill>
-                <a:hlinkClick r:id="rId3" action="ppaction://hlinksldjump"/>
-              </a:rPr>
-              <a:t>2</a:t>
-            </a:r>
-            <a:endParaRPr lang="en-US" sz="2400" b="1" dirty="0">
-              <a:solidFill>
-                <a:srgbClr val="FF0000"/>
-              </a:solidFill>
-            </a:endParaRPr>
-          </a:p>
-        </p:txBody>
-      </p:sp>
-      <p:sp>
-        <p:nvSpPr>
-          <p:cNvPr id="8" name="TextBox 7">
-            <a:hlinkClick r:id="rId3" action="ppaction://hlinksldjump"/>
-          </p:cNvPr>
-          <p:cNvSpPr txBox="1"/>
-          <p:nvPr/>
-        </p:nvSpPr>
-        <p:spPr>
-          <a:xfrm>
-            <a:off x="1921099" y="3209094"/>
-            <a:ext cx="577402" cy="461665"/>
-          </a:xfrm>
-          <a:prstGeom prst="rect">
-            <a:avLst/>
-          </a:prstGeom>
-          <a:noFill/>
-        </p:spPr>
-        <p:txBody>
-          <a:bodyPr wrap="none" rtlCol="0">
-            <a:spAutoFit/>
-          </a:bodyPr>
-          <a:lstStyle/>
-          <a:p>
-            <a:r>
-              <a:rPr lang="en-US" sz="2400" b="1" dirty="0" smtClean="0">
-                <a:solidFill>
-                  <a:srgbClr val="FF0000"/>
-                </a:solidFill>
-                <a:hlinkClick r:id="rId4" action="ppaction://hlinksldjump"/>
-              </a:rPr>
-              <a:t>2.1</a:t>
-            </a:r>
-            <a:endParaRPr lang="en-US" sz="2400" b="1" dirty="0">
-              <a:solidFill>
-                <a:srgbClr val="FF0000"/>
-              </a:solidFill>
-            </a:endParaRPr>
-          </a:p>
-        </p:txBody>
-      </p:sp>
-      <p:sp>
-        <p:nvSpPr>
-          <p:cNvPr id="9" name="TextBox 8">
-            <a:hlinkClick r:id="rId3" action="ppaction://hlinksldjump"/>
-          </p:cNvPr>
-          <p:cNvSpPr txBox="1"/>
-          <p:nvPr/>
-        </p:nvSpPr>
-        <p:spPr>
-          <a:xfrm>
-            <a:off x="4604198" y="3272135"/>
-            <a:ext cx="577402" cy="461665"/>
-          </a:xfrm>
-          <a:prstGeom prst="rect">
-            <a:avLst/>
-          </a:prstGeom>
-          <a:noFill/>
-        </p:spPr>
-        <p:txBody>
-          <a:bodyPr wrap="none" rtlCol="0">
-            <a:spAutoFit/>
-          </a:bodyPr>
-          <a:lstStyle/>
-          <a:p>
-            <a:r>
-              <a:rPr lang="en-US" sz="2400" b="1" dirty="0" smtClean="0">
-                <a:solidFill>
-                  <a:srgbClr val="FF0000"/>
-                </a:solidFill>
-                <a:hlinkClick r:id="rId5" action="ppaction://hlinksldjump"/>
-              </a:rPr>
-              <a:t>2.2</a:t>
-            </a:r>
-            <a:endParaRPr lang="en-US" sz="2400" b="1" dirty="0">
-              <a:solidFill>
-                <a:srgbClr val="FF0000"/>
-              </a:solidFill>
-            </a:endParaRPr>
-          </a:p>
-        </p:txBody>
-      </p:sp>
-      <p:sp>
-        <p:nvSpPr>
-          <p:cNvPr id="10" name="TextBox 9">
-            <a:hlinkClick r:id="rId3" action="ppaction://hlinksldjump"/>
-          </p:cNvPr>
-          <p:cNvSpPr txBox="1"/>
-          <p:nvPr/>
-        </p:nvSpPr>
-        <p:spPr>
-          <a:xfrm>
-            <a:off x="6483927" y="3209095"/>
-            <a:ext cx="577402" cy="461665"/>
-          </a:xfrm>
-          <a:prstGeom prst="rect">
-            <a:avLst/>
-          </a:prstGeom>
-          <a:noFill/>
-        </p:spPr>
-        <p:txBody>
-          <a:bodyPr wrap="none" rtlCol="0">
-            <a:spAutoFit/>
-          </a:bodyPr>
-          <a:lstStyle/>
-          <a:p>
-            <a:r>
-              <a:rPr lang="en-US" sz="2400" b="1" dirty="0" smtClean="0">
-                <a:solidFill>
-                  <a:srgbClr val="FF0000"/>
-                </a:solidFill>
-                <a:hlinkClick r:id="rId6" action="ppaction://hlinksldjump"/>
-              </a:rPr>
-              <a:t>2.3</a:t>
-            </a:r>
-            <a:endParaRPr lang="en-US" sz="2400" b="1" dirty="0">
-              <a:solidFill>
-                <a:srgbClr val="FF0000"/>
-              </a:solidFill>
-            </a:endParaRPr>
-          </a:p>
-        </p:txBody>
-      </p:sp>
-    </p:spTree>
-    <p:extLst>
-      <p:ext uri="{BB962C8B-B14F-4D97-AF65-F5344CB8AC3E}">
-        <p14:creationId xmlns:p14="http://schemas.microsoft.com/office/powerpoint/2010/main" val="3022236168"/>
-      </p:ext>
-    </p:extLst>
-  </p:cSld>
-  <p:clrMapOvr>
-    <a:masterClrMapping/>
-  </p:clrMapOvr>
-  <p:timing>
-    <p:tnLst>
-      <p:par>
-        <p:cTn id="1" dur="indefinite" restart="never" nodeType="tmRoot"/>
-      </p:par>
-    </p:tnLst>
-  </p:timing>
-</p:sld>
-</file>
-
-<file path=ppt/slides/slide3.xml><?xml version="1.0" encoding="utf-8"?>
-<p:sld xmlns:a="http://schemas.openxmlformats.org/drawingml/2006/main" xmlns:r="http://schemas.openxmlformats.org/officeDocument/2006/relationships" xmlns:p="http://schemas.openxmlformats.org/presentationml/2006/main">
-  <p:cSld>
-    <p:spTree>
-      <p:nvGrpSpPr>
-        <p:cNvPr id="1" name=""/>
-        <p:cNvGrpSpPr/>
-        <p:nvPr/>
-      </p:nvGrpSpPr>
-      <p:grpSpPr>
-        <a:xfrm>
-          <a:off x="0" y="0"/>
-          <a:ext cx="0" cy="0"/>
-          <a:chOff x="0" y="0"/>
-          <a:chExt cx="0" cy="0"/>
-        </a:xfrm>
-      </p:grpSpPr>
-      <p:pic>
-        <p:nvPicPr>
-          <p:cNvPr id="5" name="Picture 4"/>
+          <p:cNvPr id="2" name="Picture 1"/>
           <p:cNvPicPr>
             <a:picLocks noChangeAspect="1"/>
           </p:cNvPicPr>
@@ -3565,8 +3319,8 @@
         </p:blipFill>
         <p:spPr>
           <a:xfrm>
-            <a:off x="854536" y="0"/>
-            <a:ext cx="7434928" cy="6858000"/>
+            <a:off x="2588058" y="228600"/>
+            <a:ext cx="4648200" cy="6179993"/>
           </a:xfrm>
           <a:prstGeom prst="rect">
             <a:avLst/>
@@ -3581,7 +3335,7 @@
         </p:nvSpPr>
         <p:spPr>
           <a:xfrm>
-            <a:off x="3124200" y="990600"/>
+            <a:off x="4546979" y="990600"/>
             <a:ext cx="340158" cy="461665"/>
           </a:xfrm>
           <a:prstGeom prst="rect">
@@ -3632,7 +3386,7 @@
 </p:sld>
 </file>
 
-<file path=ppt/slides/slide4.xml><?xml version="1.0" encoding="utf-8"?>
+<file path=ppt/slides/slide3.xml><?xml version="1.0" encoding="utf-8"?>
 <p:sld xmlns:a="http://schemas.openxmlformats.org/drawingml/2006/main" xmlns:r="http://schemas.openxmlformats.org/officeDocument/2006/relationships" xmlns:p="http://schemas.openxmlformats.org/presentationml/2006/main">
   <p:cSld>
     <p:spTree>
@@ -3671,8 +3425,8 @@
         </p:blipFill>
         <p:spPr>
           <a:xfrm>
-            <a:off x="914400" y="457200"/>
-            <a:ext cx="6775144" cy="5029200"/>
+            <a:off x="1752952" y="152400"/>
+            <a:ext cx="6494548" cy="6553200"/>
           </a:xfrm>
           <a:prstGeom prst="rect">
             <a:avLst/>
@@ -3681,49 +3435,223 @@
       </p:pic>
       <p:sp>
         <p:nvSpPr>
-          <p:cNvPr id="5" name="TextBox 4">
-            <a:hlinkClick r:id="rId3" action="ppaction://hlinksldjump"/>
-          </p:cNvPr>
-          <p:cNvSpPr txBox="1"/>
+          <p:cNvPr id="5" name="Rectangle 4"/>
+          <p:cNvSpPr/>
           <p:nvPr/>
         </p:nvSpPr>
         <p:spPr>
           <a:xfrm>
-            <a:off x="4572000" y="1295400"/>
-            <a:ext cx="577402" cy="461665"/>
+            <a:off x="4419600" y="533400"/>
+            <a:ext cx="301686" cy="369332"/>
           </a:xfrm>
           <a:prstGeom prst="rect">
             <a:avLst/>
           </a:prstGeom>
-          <a:noFill/>
         </p:spPr>
         <p:txBody>
-          <a:bodyPr wrap="none" rtlCol="0">
+          <a:bodyPr wrap="none">
             <a:spAutoFit/>
           </a:bodyPr>
           <a:lstStyle/>
           <a:p>
             <a:r>
-              <a:rPr lang="en-US" sz="2400" b="1" dirty="0" smtClean="0">
+              <a:rPr lang="en-US" b="1" smtClean="0">
+                <a:solidFill>
+                  <a:srgbClr val="FF0000"/>
+                </a:solidFill>
+                <a:hlinkClick r:id="rId3" action="ppaction://hlinksldjump"/>
+              </a:rPr>
+              <a:t>2</a:t>
+            </a:r>
+            <a:endParaRPr lang="en-US" b="1" dirty="0">
+              <a:solidFill>
+                <a:srgbClr val="FF0000"/>
+              </a:solidFill>
+            </a:endParaRPr>
+          </a:p>
+        </p:txBody>
+      </p:sp>
+    </p:spTree>
+    <p:extLst>
+      <p:ext uri="{BB962C8B-B14F-4D97-AF65-F5344CB8AC3E}">
+        <p14:creationId xmlns:p14="http://schemas.microsoft.com/office/powerpoint/2010/main" val="1764562627"/>
+      </p:ext>
+    </p:extLst>
+  </p:cSld>
+  <p:clrMapOvr>
+    <a:masterClrMapping/>
+  </p:clrMapOvr>
+  <p:timing>
+    <p:tnLst>
+      <p:par>
+        <p:cTn id="1" dur="indefinite" restart="never" nodeType="tmRoot"/>
+      </p:par>
+    </p:tnLst>
+  </p:timing>
+</p:sld>
+</file>
+
+<file path=ppt/slides/slide4.xml><?xml version="1.0" encoding="utf-8"?>
+<p:sld xmlns:a="http://schemas.openxmlformats.org/drawingml/2006/main" xmlns:r="http://schemas.openxmlformats.org/officeDocument/2006/relationships" xmlns:p="http://schemas.openxmlformats.org/presentationml/2006/main">
+  <p:cSld>
+    <p:spTree>
+      <p:nvGrpSpPr>
+        <p:cNvPr id="1" name=""/>
+        <p:cNvGrpSpPr/>
+        <p:nvPr/>
+      </p:nvGrpSpPr>
+      <p:grpSpPr>
+        <a:xfrm>
+          <a:off x="0" y="0"/>
+          <a:ext cx="0" cy="0"/>
+          <a:chOff x="0" y="0"/>
+          <a:chExt cx="0" cy="0"/>
+        </a:xfrm>
+      </p:grpSpPr>
+      <p:pic>
+        <p:nvPicPr>
+          <p:cNvPr id="6" name="Picture 5"/>
+          <p:cNvPicPr>
+            <a:picLocks noChangeAspect="1"/>
+          </p:cNvPicPr>
+          <p:nvPr/>
+        </p:nvPicPr>
+        <p:blipFill>
+          <a:blip r:embed="rId2">
+            <a:extLst>
+              <a:ext uri="{28A0092B-C50C-407E-A947-70E740481C1C}">
+                <a14:useLocalDpi xmlns:a14="http://schemas.microsoft.com/office/drawing/2010/main" val="0"/>
+              </a:ext>
+            </a:extLst>
+          </a:blip>
+          <a:stretch>
+            <a:fillRect/>
+          </a:stretch>
+        </p:blipFill>
+        <p:spPr>
+          <a:xfrm>
+            <a:off x="304800" y="1143000"/>
+            <a:ext cx="8466667" cy="3810000"/>
+          </a:xfrm>
+          <a:prstGeom prst="rect">
+            <a:avLst/>
+          </a:prstGeom>
+        </p:spPr>
+      </p:pic>
+      <p:sp>
+        <p:nvSpPr>
+          <p:cNvPr id="7" name="Rectangle 6"/>
+          <p:cNvSpPr/>
+          <p:nvPr/>
+        </p:nvSpPr>
+        <p:spPr>
+          <a:xfrm>
+            <a:off x="3204633" y="4610100"/>
+            <a:ext cx="2667000" cy="685800"/>
+          </a:xfrm>
+          <a:prstGeom prst="rect">
+            <a:avLst/>
+          </a:prstGeom>
+        </p:spPr>
+        <p:style>
+          <a:lnRef idx="0">
+            <a:schemeClr val="accent5"/>
+          </a:lnRef>
+          <a:fillRef idx="3">
+            <a:schemeClr val="accent5"/>
+          </a:fillRef>
+          <a:effectRef idx="3">
+            <a:schemeClr val="accent5"/>
+          </a:effectRef>
+          <a:fontRef idx="minor">
+            <a:schemeClr val="lt1"/>
+          </a:fontRef>
+        </p:style>
+        <p:txBody>
+          <a:bodyPr rtlCol="0" anchor="ctr"/>
+          <a:lstStyle/>
+          <a:p>
+            <a:pPr algn="ctr"/>
+            <a:r>
+              <a:rPr lang="en-US" smtClean="0"/>
+              <a:t>Đăng nhập thành công</a:t>
+            </a:r>
+            <a:endParaRPr lang="en-US"/>
+          </a:p>
+        </p:txBody>
+      </p:sp>
+      <p:sp>
+        <p:nvSpPr>
+          <p:cNvPr id="8" name="Rectangle 7"/>
+          <p:cNvSpPr/>
+          <p:nvPr/>
+        </p:nvSpPr>
+        <p:spPr>
+          <a:xfrm>
+            <a:off x="2667000" y="4755118"/>
+            <a:ext cx="340158" cy="461665"/>
+          </a:xfrm>
+          <a:prstGeom prst="rect">
+            <a:avLst/>
+          </a:prstGeom>
+        </p:spPr>
+        <p:txBody>
+          <a:bodyPr wrap="none">
+            <a:spAutoFit/>
+          </a:bodyPr>
+          <a:lstStyle/>
+          <a:p>
+            <a:r>
+              <a:rPr lang="en-US" sz="2400" b="1">
+                <a:solidFill>
+                  <a:srgbClr val="FF0000"/>
+                </a:solidFill>
+                <a:hlinkClick r:id="rId3" action="ppaction://hlinksldjump"/>
+              </a:rPr>
+              <a:t>3</a:t>
+            </a:r>
+            <a:endParaRPr lang="en-US" sz="2400"/>
+          </a:p>
+        </p:txBody>
+      </p:sp>
+      <p:sp>
+        <p:nvSpPr>
+          <p:cNvPr id="9" name="Rectangle 8"/>
+          <p:cNvSpPr/>
+          <p:nvPr/>
+        </p:nvSpPr>
+        <p:spPr>
+          <a:xfrm>
+            <a:off x="4387290" y="1524000"/>
+            <a:ext cx="340158" cy="461665"/>
+          </a:xfrm>
+          <a:prstGeom prst="rect">
+            <a:avLst/>
+          </a:prstGeom>
+        </p:spPr>
+        <p:txBody>
+          <a:bodyPr wrap="none">
+            <a:spAutoFit/>
+          </a:bodyPr>
+          <a:lstStyle/>
+          <a:p>
+            <a:r>
+              <a:rPr lang="en-US" sz="2400" b="1">
                 <a:solidFill>
                   <a:srgbClr val="FF0000"/>
                 </a:solidFill>
                 <a:hlinkClick r:id="rId4" action="ppaction://hlinksldjump"/>
               </a:rPr>
-              <a:t>2.1</a:t>
-            </a:r>
-            <a:endParaRPr lang="en-US" sz="2400" b="1" dirty="0">
-              <a:solidFill>
-                <a:srgbClr val="FF0000"/>
-              </a:solidFill>
-            </a:endParaRPr>
+              <a:t>3</a:t>
+            </a:r>
+            <a:endParaRPr lang="en-US" sz="2400"/>
           </a:p>
         </p:txBody>
       </p:sp>
     </p:spTree>
     <p:extLst>
       <p:ext uri="{BB962C8B-B14F-4D97-AF65-F5344CB8AC3E}">
-        <p14:creationId xmlns:p14="http://schemas.microsoft.com/office/powerpoint/2010/main" val="1381253194"/>
+        <p14:creationId xmlns:p14="http://schemas.microsoft.com/office/powerpoint/2010/main" val="1281705962"/>
       </p:ext>
     </p:extLst>
   </p:cSld>
@@ -3759,11 +3687,13 @@
       </p:grpSpPr>
       <p:pic>
         <p:nvPicPr>
-          <p:cNvPr id="4" name="Picture 3"/>
+          <p:cNvPr id="4" name="Content Placeholder 3"/>
           <p:cNvPicPr>
-            <a:picLocks noChangeAspect="1"/>
+            <a:picLocks noGrp="1" noChangeAspect="1"/>
           </p:cNvPicPr>
-          <p:nvPr/>
+          <p:nvPr>
+            <p:ph idx="1"/>
+          </p:nvPr>
         </p:nvPicPr>
         <p:blipFill>
           <a:blip r:embed="rId2">
@@ -3779,17 +3709,55 @@
         </p:blipFill>
         <p:spPr>
           <a:xfrm>
-            <a:off x="1013839" y="-304800"/>
-            <a:ext cx="7116321" cy="6858000"/>
+            <a:off x="990600" y="1364556"/>
+            <a:ext cx="7028571" cy="3980952"/>
+          </a:xfrm>
+        </p:spPr>
+      </p:pic>
+      <p:sp>
+        <p:nvSpPr>
+          <p:cNvPr id="6" name="TextBox 5">
+            <a:hlinkClick r:id="rId3" action="ppaction://hlinksldjump"/>
+          </p:cNvPr>
+          <p:cNvSpPr txBox="1"/>
+          <p:nvPr/>
+        </p:nvSpPr>
+        <p:spPr>
+          <a:xfrm>
+            <a:off x="3505200" y="2514599"/>
+            <a:ext cx="340158" cy="461665"/>
           </a:xfrm>
           <a:prstGeom prst="rect">
             <a:avLst/>
           </a:prstGeom>
+          <a:noFill/>
         </p:spPr>
-      </p:pic>
-      <p:sp>
-        <p:nvSpPr>
-          <p:cNvPr id="5" name="TextBox 4">
+        <p:txBody>
+          <a:bodyPr wrap="none" rtlCol="0">
+            <a:spAutoFit/>
+          </a:bodyPr>
+          <a:lstStyle/>
+          <a:p>
+            <a:r>
+              <a:rPr lang="en-US" sz="2400" b="1">
+                <a:solidFill>
+                  <a:srgbClr val="FF0000"/>
+                </a:solidFill>
+                <a:hlinkClick r:id="rId4" action="ppaction://hlinksldjump"/>
+              </a:rPr>
+              <a:t>3</a:t>
+            </a:r>
+            <a:endParaRPr lang="en-US" sz="2400" b="1" dirty="0">
+              <a:solidFill>
+                <a:srgbClr val="FF0000"/>
+              </a:solidFill>
+            </a:endParaRPr>
+          </a:p>
+        </p:txBody>
+      </p:sp>
+      <p:sp>
+        <p:nvSpPr>
+          <p:cNvPr id="8" name="TextBox 7">
             <a:hlinkClick r:id="rId3" action="ppaction://hlinksldjump"/>
           </p:cNvPr>
           <p:cNvSpPr txBox="1"/>
@@ -3797,7 +3765,7 @@
         </p:nvSpPr>
         <p:spPr>
           <a:xfrm>
-            <a:off x="4236859" y="457200"/>
+            <a:off x="1921099" y="3209094"/>
             <a:ext cx="577402" cy="461665"/>
           </a:xfrm>
           <a:prstGeom prst="rect">
@@ -3812,13 +3780,22 @@
           <a:lstStyle/>
           <a:p>
             <a:r>
-              <a:rPr lang="en-US" sz="2400" b="1" dirty="0" smtClean="0">
+              <a:rPr lang="en-US" sz="2400" b="1" dirty="0">
                 <a:solidFill>
                   <a:srgbClr val="FF0000"/>
                 </a:solidFill>
-                <a:hlinkClick r:id="rId4" action="ppaction://hlinksldjump"/>
+                <a:hlinkClick r:id="rId5" action="ppaction://hlinksldjump"/>
               </a:rPr>
-              <a:t>2.2</a:t>
+              <a:t>3</a:t>
+            </a:r>
+            <a:r>
+              <a:rPr lang="en-US" sz="2400" b="1" smtClean="0">
+                <a:solidFill>
+                  <a:srgbClr val="FF0000"/>
+                </a:solidFill>
+                <a:hlinkClick r:id="rId5" action="ppaction://hlinksldjump"/>
+              </a:rPr>
+              <a:t>.1</a:t>
             </a:r>
             <a:endParaRPr lang="en-US" sz="2400" b="1" dirty="0">
               <a:solidFill>
@@ -3828,10 +3805,110 @@
           </a:p>
         </p:txBody>
       </p:sp>
+      <p:sp>
+        <p:nvSpPr>
+          <p:cNvPr id="9" name="TextBox 8">
+            <a:hlinkClick r:id="rId3" action="ppaction://hlinksldjump"/>
+          </p:cNvPr>
+          <p:cNvSpPr txBox="1"/>
+          <p:nvPr/>
+        </p:nvSpPr>
+        <p:spPr>
+          <a:xfrm>
+            <a:off x="4604198" y="3272135"/>
+            <a:ext cx="577402" cy="461665"/>
+          </a:xfrm>
+          <a:prstGeom prst="rect">
+            <a:avLst/>
+          </a:prstGeom>
+          <a:noFill/>
+        </p:spPr>
+        <p:txBody>
+          <a:bodyPr wrap="none" rtlCol="0">
+            <a:spAutoFit/>
+          </a:bodyPr>
+          <a:lstStyle/>
+          <a:p>
+            <a:r>
+              <a:rPr lang="en-US" sz="2400" b="1" dirty="0">
+                <a:solidFill>
+                  <a:srgbClr val="FF0000"/>
+                </a:solidFill>
+                <a:hlinkClick r:id="rId6" action="ppaction://hlinksldjump"/>
+              </a:rPr>
+              <a:t>3</a:t>
+            </a:r>
+            <a:r>
+              <a:rPr lang="en-US" sz="2400" b="1" smtClean="0">
+                <a:solidFill>
+                  <a:srgbClr val="FF0000"/>
+                </a:solidFill>
+                <a:hlinkClick r:id="rId6" action="ppaction://hlinksldjump"/>
+              </a:rPr>
+              <a:t>.2</a:t>
+            </a:r>
+            <a:endParaRPr lang="en-US" sz="2400" b="1" dirty="0">
+              <a:solidFill>
+                <a:srgbClr val="FF0000"/>
+              </a:solidFill>
+            </a:endParaRPr>
+          </a:p>
+        </p:txBody>
+      </p:sp>
+      <p:sp>
+        <p:nvSpPr>
+          <p:cNvPr id="10" name="TextBox 9">
+            <a:hlinkClick r:id="rId3" action="ppaction://hlinksldjump"/>
+          </p:cNvPr>
+          <p:cNvSpPr txBox="1"/>
+          <p:nvPr/>
+        </p:nvSpPr>
+        <p:spPr>
+          <a:xfrm>
+            <a:off x="6483927" y="3209095"/>
+            <a:ext cx="577402" cy="461665"/>
+          </a:xfrm>
+          <a:prstGeom prst="rect">
+            <a:avLst/>
+          </a:prstGeom>
+          <a:noFill/>
+        </p:spPr>
+        <p:txBody>
+          <a:bodyPr wrap="none" rtlCol="0">
+            <a:spAutoFit/>
+          </a:bodyPr>
+          <a:lstStyle/>
+          <a:p>
+            <a:r>
+              <a:rPr lang="en-US" sz="2400" b="1" dirty="0">
+                <a:solidFill>
+                  <a:srgbClr val="FF0000"/>
+                </a:solidFill>
+                <a:hlinkClick r:id="rId7" action="ppaction://hlinksldjump"/>
+              </a:rPr>
+              <a:t>3</a:t>
+            </a:r>
+            <a:r>
+              <a:rPr lang="en-US" sz="2400" b="1" smtClean="0">
+                <a:solidFill>
+                  <a:srgbClr val="FF0000"/>
+                </a:solidFill>
+                <a:hlinkClick r:id="rId7" action="ppaction://hlinksldjump"/>
+              </a:rPr>
+              <a:t>.3</a:t>
+            </a:r>
+            <a:endParaRPr lang="en-US" sz="2400" b="1" dirty="0">
+              <a:solidFill>
+                <a:srgbClr val="FF0000"/>
+              </a:solidFill>
+            </a:endParaRPr>
+          </a:p>
+        </p:txBody>
+      </p:sp>
     </p:spTree>
     <p:extLst>
       <p:ext uri="{BB962C8B-B14F-4D97-AF65-F5344CB8AC3E}">
-        <p14:creationId xmlns:p14="http://schemas.microsoft.com/office/powerpoint/2010/main" val="1978459066"/>
+        <p14:creationId xmlns:p14="http://schemas.microsoft.com/office/powerpoint/2010/main" val="3022236168"/>
       </p:ext>
     </p:extLst>
   </p:cSld>
@@ -3887,8 +3964,242 @@
         </p:blipFill>
         <p:spPr>
           <a:xfrm>
-            <a:off x="2417618" y="304800"/>
-            <a:ext cx="4214629" cy="5933216"/>
+            <a:off x="914400" y="457200"/>
+            <a:ext cx="6775144" cy="5029200"/>
+          </a:xfrm>
+          <a:prstGeom prst="rect">
+            <a:avLst/>
+          </a:prstGeom>
+        </p:spPr>
+      </p:pic>
+      <p:sp>
+        <p:nvSpPr>
+          <p:cNvPr id="5" name="TextBox 4">
+            <a:hlinkClick r:id="rId3" action="ppaction://hlinksldjump"/>
+          </p:cNvPr>
+          <p:cNvSpPr txBox="1"/>
+          <p:nvPr/>
+        </p:nvSpPr>
+        <p:spPr>
+          <a:xfrm>
+            <a:off x="4572000" y="1295400"/>
+            <a:ext cx="577402" cy="461665"/>
+          </a:xfrm>
+          <a:prstGeom prst="rect">
+            <a:avLst/>
+          </a:prstGeom>
+          <a:noFill/>
+        </p:spPr>
+        <p:txBody>
+          <a:bodyPr wrap="none" rtlCol="0">
+            <a:spAutoFit/>
+          </a:bodyPr>
+          <a:lstStyle/>
+          <a:p>
+            <a:r>
+              <a:rPr lang="en-US" sz="2400" b="1" dirty="0">
+                <a:solidFill>
+                  <a:srgbClr val="FF0000"/>
+                </a:solidFill>
+                <a:hlinkClick r:id="rId4" action="ppaction://hlinksldjump"/>
+              </a:rPr>
+              <a:t>3</a:t>
+            </a:r>
+            <a:r>
+              <a:rPr lang="en-US" sz="2400" b="1" smtClean="0">
+                <a:solidFill>
+                  <a:srgbClr val="FF0000"/>
+                </a:solidFill>
+                <a:hlinkClick r:id="rId4" action="ppaction://hlinksldjump"/>
+              </a:rPr>
+              <a:t>.1</a:t>
+            </a:r>
+            <a:endParaRPr lang="en-US" sz="2400" b="1" dirty="0">
+              <a:solidFill>
+                <a:srgbClr val="FF0000"/>
+              </a:solidFill>
+            </a:endParaRPr>
+          </a:p>
+        </p:txBody>
+      </p:sp>
+    </p:spTree>
+    <p:extLst>
+      <p:ext uri="{BB962C8B-B14F-4D97-AF65-F5344CB8AC3E}">
+        <p14:creationId xmlns:p14="http://schemas.microsoft.com/office/powerpoint/2010/main" val="1381253194"/>
+      </p:ext>
+    </p:extLst>
+  </p:cSld>
+  <p:clrMapOvr>
+    <a:masterClrMapping/>
+  </p:clrMapOvr>
+  <p:timing>
+    <p:tnLst>
+      <p:par>
+        <p:cTn id="1" dur="indefinite" restart="never" nodeType="tmRoot"/>
+      </p:par>
+    </p:tnLst>
+  </p:timing>
+</p:sld>
+</file>
+
+<file path=ppt/slides/slide7.xml><?xml version="1.0" encoding="utf-8"?>
+<p:sld xmlns:a="http://schemas.openxmlformats.org/drawingml/2006/main" xmlns:r="http://schemas.openxmlformats.org/officeDocument/2006/relationships" xmlns:p="http://schemas.openxmlformats.org/presentationml/2006/main">
+  <p:cSld>
+    <p:spTree>
+      <p:nvGrpSpPr>
+        <p:cNvPr id="1" name=""/>
+        <p:cNvGrpSpPr/>
+        <p:nvPr/>
+      </p:nvGrpSpPr>
+      <p:grpSpPr>
+        <a:xfrm>
+          <a:off x="0" y="0"/>
+          <a:ext cx="0" cy="0"/>
+          <a:chOff x="0" y="0"/>
+          <a:chExt cx="0" cy="0"/>
+        </a:xfrm>
+      </p:grpSpPr>
+      <p:pic>
+        <p:nvPicPr>
+          <p:cNvPr id="4" name="Picture 3"/>
+          <p:cNvPicPr>
+            <a:picLocks noChangeAspect="1"/>
+          </p:cNvPicPr>
+          <p:nvPr/>
+        </p:nvPicPr>
+        <p:blipFill>
+          <a:blip r:embed="rId2">
+            <a:extLst>
+              <a:ext uri="{28A0092B-C50C-407E-A947-70E740481C1C}">
+                <a14:useLocalDpi xmlns:a14="http://schemas.microsoft.com/office/drawing/2010/main" val="0"/>
+              </a:ext>
+            </a:extLst>
+          </a:blip>
+          <a:stretch>
+            <a:fillRect/>
+          </a:stretch>
+        </p:blipFill>
+        <p:spPr>
+          <a:xfrm>
+            <a:off x="1013839" y="-304800"/>
+            <a:ext cx="7116321" cy="6858000"/>
+          </a:xfrm>
+          <a:prstGeom prst="rect">
+            <a:avLst/>
+          </a:prstGeom>
+        </p:spPr>
+      </p:pic>
+      <p:sp>
+        <p:nvSpPr>
+          <p:cNvPr id="5" name="TextBox 4">
+            <a:hlinkClick r:id="rId3" action="ppaction://hlinksldjump"/>
+          </p:cNvPr>
+          <p:cNvSpPr txBox="1"/>
+          <p:nvPr/>
+        </p:nvSpPr>
+        <p:spPr>
+          <a:xfrm>
+            <a:off x="4236859" y="457200"/>
+            <a:ext cx="577402" cy="461665"/>
+          </a:xfrm>
+          <a:prstGeom prst="rect">
+            <a:avLst/>
+          </a:prstGeom>
+          <a:noFill/>
+        </p:spPr>
+        <p:txBody>
+          <a:bodyPr wrap="none" rtlCol="0">
+            <a:spAutoFit/>
+          </a:bodyPr>
+          <a:lstStyle/>
+          <a:p>
+            <a:r>
+              <a:rPr lang="en-US" sz="2400" b="1" dirty="0">
+                <a:solidFill>
+                  <a:srgbClr val="FF0000"/>
+                </a:solidFill>
+                <a:hlinkClick r:id="rId4" action="ppaction://hlinksldjump"/>
+              </a:rPr>
+              <a:t>3</a:t>
+            </a:r>
+            <a:r>
+              <a:rPr lang="en-US" sz="2400" b="1" smtClean="0">
+                <a:solidFill>
+                  <a:srgbClr val="FF0000"/>
+                </a:solidFill>
+                <a:hlinkClick r:id="rId4" action="ppaction://hlinksldjump"/>
+              </a:rPr>
+              <a:t>.2</a:t>
+            </a:r>
+            <a:endParaRPr lang="en-US" sz="2400" b="1" dirty="0">
+              <a:solidFill>
+                <a:srgbClr val="FF0000"/>
+              </a:solidFill>
+            </a:endParaRPr>
+          </a:p>
+        </p:txBody>
+      </p:sp>
+    </p:spTree>
+    <p:extLst>
+      <p:ext uri="{BB962C8B-B14F-4D97-AF65-F5344CB8AC3E}">
+        <p14:creationId xmlns:p14="http://schemas.microsoft.com/office/powerpoint/2010/main" val="1978459066"/>
+      </p:ext>
+    </p:extLst>
+  </p:cSld>
+  <p:clrMapOvr>
+    <a:masterClrMapping/>
+  </p:clrMapOvr>
+  <p:timing>
+    <p:tnLst>
+      <p:par>
+        <p:cTn id="1" dur="indefinite" restart="never" nodeType="tmRoot"/>
+      </p:par>
+    </p:tnLst>
+  </p:timing>
+</p:sld>
+</file>
+
+<file path=ppt/slides/slide8.xml><?xml version="1.0" encoding="utf-8"?>
+<p:sld xmlns:a="http://schemas.openxmlformats.org/drawingml/2006/main" xmlns:r="http://schemas.openxmlformats.org/officeDocument/2006/relationships" xmlns:p="http://schemas.openxmlformats.org/presentationml/2006/main">
+  <p:cSld>
+    <p:spTree>
+      <p:nvGrpSpPr>
+        <p:cNvPr id="1" name=""/>
+        <p:cNvGrpSpPr/>
+        <p:nvPr/>
+      </p:nvGrpSpPr>
+      <p:grpSpPr>
+        <a:xfrm>
+          <a:off x="0" y="0"/>
+          <a:ext cx="0" cy="0"/>
+          <a:chOff x="0" y="0"/>
+          <a:chExt cx="0" cy="0"/>
+        </a:xfrm>
+      </p:grpSpPr>
+      <p:pic>
+        <p:nvPicPr>
+          <p:cNvPr id="2" name="Picture 1"/>
+          <p:cNvPicPr>
+            <a:picLocks noChangeAspect="1"/>
+          </p:cNvPicPr>
+          <p:nvPr/>
+        </p:nvPicPr>
+        <p:blipFill>
+          <a:blip r:embed="rId2">
+            <a:extLst>
+              <a:ext uri="{28A0092B-C50C-407E-A947-70E740481C1C}">
+                <a14:useLocalDpi xmlns:a14="http://schemas.microsoft.com/office/drawing/2010/main" val="0"/>
+              </a:ext>
+            </a:extLst>
+          </a:blip>
+          <a:stretch>
+            <a:fillRect/>
+          </a:stretch>
+        </p:blipFill>
+        <p:spPr>
+          <a:xfrm>
+            <a:off x="2489637" y="4549"/>
+            <a:ext cx="4647991" cy="6179715"/>
           </a:xfrm>
           <a:prstGeom prst="rect">
             <a:avLst/>
@@ -3920,13 +4231,22 @@
           <a:lstStyle/>
           <a:p>
             <a:r>
-              <a:rPr lang="en-US" sz="2400" b="1" dirty="0" smtClean="0">
+              <a:rPr lang="en-US" sz="2400" b="1" dirty="0">
                 <a:solidFill>
                   <a:srgbClr val="FF0000"/>
                 </a:solidFill>
                 <a:hlinkClick r:id="rId3" action="ppaction://hlinksldjump"/>
               </a:rPr>
-              <a:t>2.3</a:t>
+              <a:t>3</a:t>
+            </a:r>
+            <a:r>
+              <a:rPr lang="en-US" sz="2400" b="1" smtClean="0">
+                <a:solidFill>
+                  <a:srgbClr val="FF0000"/>
+                </a:solidFill>
+                <a:hlinkClick r:id="rId3" action="ppaction://hlinksldjump"/>
+              </a:rPr>
+              <a:t>.3</a:t>
             </a:r>
             <a:endParaRPr lang="en-US" sz="2400" b="1" dirty="0">
               <a:solidFill>

--- a/Giao dien/cay giao dien/Cây_PP.pptx
+++ b/Giao dien/cay giao dien/Cây_PP.pptx
@@ -113,7 +113,7 @@
   </p:defaultTextStyle>
   <p:extLst>
     <p:ext uri="{EFAFB233-063F-42B5-8137-9DF3F51BA10A}">
-      <p15:sldGuideLst xmlns:p15="http://schemas.microsoft.com/office/powerpoint/2012/main">
+      <p15:sldGuideLst xmlns:p15="http://schemas.microsoft.com/office/powerpoint/2012/main" xmlns="">
         <p15:guide id="1" orient="horz" pos="2160">
           <p15:clr>
             <a:srgbClr val="A4A3A4"/>
@@ -311,7 +311,7 @@
           <a:p>
             <a:fld id="{E21A0B8F-3A45-4870-B5D2-BAC75BDD1717}" type="datetimeFigureOut">
               <a:rPr lang="en-US" smtClean="0"/>
-              <a:t>09/10/2019</a:t>
+              <a:t>10/15/2019</a:t>
             </a:fld>
             <a:endParaRPr lang="en-US"/>
           </a:p>
@@ -481,7 +481,7 @@
           <a:p>
             <a:fld id="{E21A0B8F-3A45-4870-B5D2-BAC75BDD1717}" type="datetimeFigureOut">
               <a:rPr lang="en-US" smtClean="0"/>
-              <a:t>09/10/2019</a:t>
+              <a:t>10/15/2019</a:t>
             </a:fld>
             <a:endParaRPr lang="en-US"/>
           </a:p>
@@ -661,7 +661,7 @@
           <a:p>
             <a:fld id="{E21A0B8F-3A45-4870-B5D2-BAC75BDD1717}" type="datetimeFigureOut">
               <a:rPr lang="en-US" smtClean="0"/>
-              <a:t>09/10/2019</a:t>
+              <a:t>10/15/2019</a:t>
             </a:fld>
             <a:endParaRPr lang="en-US"/>
           </a:p>
@@ -831,7 +831,7 @@
           <a:p>
             <a:fld id="{E21A0B8F-3A45-4870-B5D2-BAC75BDD1717}" type="datetimeFigureOut">
               <a:rPr lang="en-US" smtClean="0"/>
-              <a:t>09/10/2019</a:t>
+              <a:t>10/15/2019</a:t>
             </a:fld>
             <a:endParaRPr lang="en-US"/>
           </a:p>
@@ -1077,7 +1077,7 @@
           <a:p>
             <a:fld id="{E21A0B8F-3A45-4870-B5D2-BAC75BDD1717}" type="datetimeFigureOut">
               <a:rPr lang="en-US" smtClean="0"/>
-              <a:t>09/10/2019</a:t>
+              <a:t>10/15/2019</a:t>
             </a:fld>
             <a:endParaRPr lang="en-US"/>
           </a:p>
@@ -1365,7 +1365,7 @@
           <a:p>
             <a:fld id="{E21A0B8F-3A45-4870-B5D2-BAC75BDD1717}" type="datetimeFigureOut">
               <a:rPr lang="en-US" smtClean="0"/>
-              <a:t>09/10/2019</a:t>
+              <a:t>10/15/2019</a:t>
             </a:fld>
             <a:endParaRPr lang="en-US"/>
           </a:p>
@@ -1787,7 +1787,7 @@
           <a:p>
             <a:fld id="{E21A0B8F-3A45-4870-B5D2-BAC75BDD1717}" type="datetimeFigureOut">
               <a:rPr lang="en-US" smtClean="0"/>
-              <a:t>09/10/2019</a:t>
+              <a:t>10/15/2019</a:t>
             </a:fld>
             <a:endParaRPr lang="en-US"/>
           </a:p>
@@ -1905,7 +1905,7 @@
           <a:p>
             <a:fld id="{E21A0B8F-3A45-4870-B5D2-BAC75BDD1717}" type="datetimeFigureOut">
               <a:rPr lang="en-US" smtClean="0"/>
-              <a:t>09/10/2019</a:t>
+              <a:t>10/15/2019</a:t>
             </a:fld>
             <a:endParaRPr lang="en-US"/>
           </a:p>
@@ -2000,7 +2000,7 @@
           <a:p>
             <a:fld id="{E21A0B8F-3A45-4870-B5D2-BAC75BDD1717}" type="datetimeFigureOut">
               <a:rPr lang="en-US" smtClean="0"/>
-              <a:t>09/10/2019</a:t>
+              <a:t>10/15/2019</a:t>
             </a:fld>
             <a:endParaRPr lang="en-US"/>
           </a:p>
@@ -2277,7 +2277,7 @@
           <a:p>
             <a:fld id="{E21A0B8F-3A45-4870-B5D2-BAC75BDD1717}" type="datetimeFigureOut">
               <a:rPr lang="en-US" smtClean="0"/>
-              <a:t>09/10/2019</a:t>
+              <a:t>10/15/2019</a:t>
             </a:fld>
             <a:endParaRPr lang="en-US"/>
           </a:p>
@@ -2530,7 +2530,7 @@
           <a:p>
             <a:fld id="{E21A0B8F-3A45-4870-B5D2-BAC75BDD1717}" type="datetimeFigureOut">
               <a:rPr lang="en-US" smtClean="0"/>
-              <a:t>09/10/2019</a:t>
+              <a:t>10/15/2019</a:t>
             </a:fld>
             <a:endParaRPr lang="en-US"/>
           </a:p>
@@ -2743,7 +2743,7 @@
           <a:p>
             <a:fld id="{E21A0B8F-3A45-4870-B5D2-BAC75BDD1717}" type="datetimeFigureOut">
               <a:rPr lang="en-US" smtClean="0"/>
-              <a:t>09/10/2019</a:t>
+              <a:t>10/15/2019</a:t>
             </a:fld>
             <a:endParaRPr lang="en-US"/>
           </a:p>
@@ -3299,7 +3299,7 @@
       </p:grpSpPr>
       <p:pic>
         <p:nvPicPr>
-          <p:cNvPr id="2" name="Picture 1"/>
+          <p:cNvPr id="3" name="Picture 2"/>
           <p:cNvPicPr>
             <a:picLocks noChangeAspect="1"/>
           </p:cNvPicPr>
@@ -3319,8 +3319,8 @@
         </p:blipFill>
         <p:spPr>
           <a:xfrm>
-            <a:off x="2588058" y="228600"/>
-            <a:ext cx="4648200" cy="6179993"/>
+            <a:off x="1682918" y="983673"/>
+            <a:ext cx="6353019" cy="5255568"/>
           </a:xfrm>
           <a:prstGeom prst="rect">
             <a:avLst/>
@@ -3405,7 +3405,7 @@
       </p:grpSpPr>
       <p:pic>
         <p:nvPicPr>
-          <p:cNvPr id="4" name="Picture 3"/>
+          <p:cNvPr id="2" name="Picture 1"/>
           <p:cNvPicPr>
             <a:picLocks noChangeAspect="1"/>
           </p:cNvPicPr>
@@ -3425,8 +3425,8 @@
         </p:blipFill>
         <p:spPr>
           <a:xfrm>
-            <a:off x="1752952" y="152400"/>
-            <a:ext cx="6494548" cy="6553200"/>
+            <a:off x="2029913" y="76200"/>
+            <a:ext cx="5293385" cy="6781800"/>
           </a:xfrm>
           <a:prstGeom prst="rect">
             <a:avLst/>
@@ -3441,7 +3441,7 @@
         </p:nvSpPr>
         <p:spPr>
           <a:xfrm>
-            <a:off x="4419600" y="533400"/>
+            <a:off x="4525764" y="143286"/>
             <a:ext cx="301686" cy="369332"/>
           </a:xfrm>
           <a:prstGeom prst="rect">
@@ -3455,7 +3455,7 @@
           <a:lstStyle/>
           <a:p>
             <a:r>
-              <a:rPr lang="en-US" b="1" smtClean="0">
+              <a:rPr lang="en-US" b="1" dirty="0" smtClean="0">
                 <a:solidFill>
                   <a:srgbClr val="FF0000"/>
                 </a:solidFill>
